--- a/STEP (Churning).pptx
+++ b/STEP (Churning).pptx
@@ -11,9 +11,8 @@
     <p:sldId id="267" r:id="rId5"/>
     <p:sldId id="257" r:id="rId6"/>
     <p:sldId id="269" r:id="rId7"/>
-    <p:sldId id="270" r:id="rId8"/>
-    <p:sldId id="265" r:id="rId9"/>
-    <p:sldId id="275" r:id="rId10"/>
+    <p:sldId id="265" r:id="rId8"/>
+    <p:sldId id="275" r:id="rId9"/>
   </p:sldIdLst>
   <p:sldSz cx="12192000" cy="6858000"/>
   <p:notesSz cx="6858000" cy="9144000"/>
@@ -112,6 +111,11 @@
       </a:defRPr>
     </a:lvl9pPr>
   </p:defaultTextStyle>
+  <p:extLst>
+    <p:ext uri="{EFAFB233-063F-42B5-8137-9DF3F51BA10A}">
+      <p15:sldGuideLst xmlns:p15="http://schemas.microsoft.com/office/powerpoint/2012/main"/>
+    </p:ext>
+  </p:extLst>
 </p:presentation>
 </file>
 
@@ -4493,7 +4497,7 @@
           <a:p>
             <a:fld id="{7FE06541-1ED6-4135-98D1-3E29BC0BCB56}" type="datetimeFigureOut">
               <a:rPr lang="en-IN" smtClean="0"/>
-              <a:t>31-01-2024</a:t>
+              <a:t>02-02-2024</a:t>
             </a:fld>
             <a:endParaRPr lang="en-IN"/>
           </a:p>
@@ -4693,7 +4697,7 @@
           <a:p>
             <a:fld id="{7FE06541-1ED6-4135-98D1-3E29BC0BCB56}" type="datetimeFigureOut">
               <a:rPr lang="en-IN" smtClean="0"/>
-              <a:t>31-01-2024</a:t>
+              <a:t>02-02-2024</a:t>
             </a:fld>
             <a:endParaRPr lang="en-IN"/>
           </a:p>
@@ -4903,7 +4907,7 @@
           <a:p>
             <a:fld id="{7FE06541-1ED6-4135-98D1-3E29BC0BCB56}" type="datetimeFigureOut">
               <a:rPr lang="en-IN" smtClean="0"/>
-              <a:t>31-01-2024</a:t>
+              <a:t>02-02-2024</a:t>
             </a:fld>
             <a:endParaRPr lang="en-IN"/>
           </a:p>
@@ -5103,7 +5107,7 @@
           <a:p>
             <a:fld id="{7FE06541-1ED6-4135-98D1-3E29BC0BCB56}" type="datetimeFigureOut">
               <a:rPr lang="en-IN" smtClean="0"/>
-              <a:t>31-01-2024</a:t>
+              <a:t>02-02-2024</a:t>
             </a:fld>
             <a:endParaRPr lang="en-IN"/>
           </a:p>
@@ -5379,7 +5383,7 @@
           <a:p>
             <a:fld id="{7FE06541-1ED6-4135-98D1-3E29BC0BCB56}" type="datetimeFigureOut">
               <a:rPr lang="en-IN" smtClean="0"/>
-              <a:t>31-01-2024</a:t>
+              <a:t>02-02-2024</a:t>
             </a:fld>
             <a:endParaRPr lang="en-IN"/>
           </a:p>
@@ -5647,7 +5651,7 @@
           <a:p>
             <a:fld id="{7FE06541-1ED6-4135-98D1-3E29BC0BCB56}" type="datetimeFigureOut">
               <a:rPr lang="en-IN" smtClean="0"/>
-              <a:t>31-01-2024</a:t>
+              <a:t>02-02-2024</a:t>
             </a:fld>
             <a:endParaRPr lang="en-IN"/>
           </a:p>
@@ -6062,7 +6066,7 @@
           <a:p>
             <a:fld id="{7FE06541-1ED6-4135-98D1-3E29BC0BCB56}" type="datetimeFigureOut">
               <a:rPr lang="en-IN" smtClean="0"/>
-              <a:t>31-01-2024</a:t>
+              <a:t>02-02-2024</a:t>
             </a:fld>
             <a:endParaRPr lang="en-IN"/>
           </a:p>
@@ -6204,7 +6208,7 @@
           <a:p>
             <a:fld id="{7FE06541-1ED6-4135-98D1-3E29BC0BCB56}" type="datetimeFigureOut">
               <a:rPr lang="en-IN" smtClean="0"/>
-              <a:t>31-01-2024</a:t>
+              <a:t>02-02-2024</a:t>
             </a:fld>
             <a:endParaRPr lang="en-IN"/>
           </a:p>
@@ -6317,7 +6321,7 @@
           <a:p>
             <a:fld id="{7FE06541-1ED6-4135-98D1-3E29BC0BCB56}" type="datetimeFigureOut">
               <a:rPr lang="en-IN" smtClean="0"/>
-              <a:t>31-01-2024</a:t>
+              <a:t>02-02-2024</a:t>
             </a:fld>
             <a:endParaRPr lang="en-IN"/>
           </a:p>
@@ -6630,7 +6634,7 @@
           <a:p>
             <a:fld id="{7FE06541-1ED6-4135-98D1-3E29BC0BCB56}" type="datetimeFigureOut">
               <a:rPr lang="en-IN" smtClean="0"/>
-              <a:t>31-01-2024</a:t>
+              <a:t>02-02-2024</a:t>
             </a:fld>
             <a:endParaRPr lang="en-IN"/>
           </a:p>
@@ -6919,7 +6923,7 @@
           <a:p>
             <a:fld id="{7FE06541-1ED6-4135-98D1-3E29BC0BCB56}" type="datetimeFigureOut">
               <a:rPr lang="en-IN" smtClean="0"/>
-              <a:t>31-01-2024</a:t>
+              <a:t>02-02-2024</a:t>
             </a:fld>
             <a:endParaRPr lang="en-IN"/>
           </a:p>
@@ -7162,7 +7166,7 @@
           <a:p>
             <a:fld id="{7FE06541-1ED6-4135-98D1-3E29BC0BCB56}" type="datetimeFigureOut">
               <a:rPr lang="en-IN" smtClean="0"/>
-              <a:t>31-01-2024</a:t>
+              <a:t>02-02-2024</a:t>
             </a:fld>
             <a:endParaRPr lang="en-IN"/>
           </a:p>
@@ -7597,8 +7601,8 @@
         </p:nvSpPr>
         <p:spPr>
           <a:xfrm>
-            <a:off x="1524000" y="548431"/>
-            <a:ext cx="9144000" cy="2387600"/>
+            <a:off x="1524000" y="374383"/>
+            <a:ext cx="9144000" cy="1848911"/>
           </a:xfrm>
         </p:spPr>
         <p:txBody>
@@ -7606,10 +7610,24 @@
           <a:lstStyle/>
           <a:p>
             <a:r>
-              <a:rPr lang="en-US" dirty="0"/>
+              <a:rPr lang="en-US" u="sng" dirty="0">
+                <a:solidFill>
+                  <a:schemeClr val="accent2">
+                    <a:lumMod val="50000"/>
+                  </a:schemeClr>
+                </a:solidFill>
+                <a:latin typeface="Bahnschrift" panose="020B0502040204020203" pitchFamily="34" charset="0"/>
+              </a:rPr>
               <a:t>TELECOM CHURN PREDICTION</a:t>
             </a:r>
-            <a:endParaRPr lang="en-IN" dirty="0"/>
+            <a:endParaRPr lang="en-IN" u="sng" dirty="0">
+              <a:solidFill>
+                <a:schemeClr val="accent2">
+                  <a:lumMod val="50000"/>
+                </a:schemeClr>
+              </a:solidFill>
+              <a:latin typeface="Bahnschrift" panose="020B0502040204020203" pitchFamily="34" charset="0"/>
+            </a:endParaRPr>
           </a:p>
         </p:txBody>
       </p:sp>
@@ -7629,12 +7647,346 @@
             <p:ph type="subTitle" idx="1"/>
           </p:nvPr>
         </p:nvSpPr>
-        <p:spPr/>
+        <p:spPr>
+          <a:xfrm>
+            <a:off x="314960" y="3801795"/>
+            <a:ext cx="10109200" cy="3885882"/>
+          </a:xfrm>
+        </p:spPr>
         <p:txBody>
-          <a:bodyPr/>
+          <a:bodyPr>
+            <a:normAutofit/>
+          </a:bodyPr>
           <a:lstStyle/>
           <a:p>
+            <a:pPr algn="l"/>
+            <a:r>
+              <a:rPr lang="en-US" b="1" u="sng" dirty="0">
+                <a:latin typeface="Bookman Old Style" panose="02050604050505020204" pitchFamily="18" charset="0"/>
+              </a:rPr>
+              <a:t>Group Members</a:t>
+            </a:r>
+            <a:r>
+              <a:rPr lang="en-US" dirty="0"/>
+              <a:t>:</a:t>
+            </a:r>
+          </a:p>
+          <a:p>
+            <a:pPr marL="285750" indent="-285750" algn="l">
+              <a:buFont typeface="Arial" panose="020B0604020202020204" pitchFamily="34" charset="0"/>
+              <a:buChar char="•"/>
+            </a:pPr>
+            <a:r>
+              <a:rPr lang="en-IN" sz="1400" b="1" i="0" dirty="0">
+                <a:solidFill>
+                  <a:srgbClr val="333C41"/>
+                </a:solidFill>
+                <a:effectLst/>
+                <a:latin typeface="Bell MT" panose="02020503060305020303" pitchFamily="18" charset="0"/>
+              </a:rPr>
+              <a:t>Mohamed Maaz Rehan </a:t>
+            </a:r>
+          </a:p>
+          <a:p>
+            <a:pPr marL="285750" indent="-285750" algn="l">
+              <a:buFont typeface="Arial" panose="020B0604020202020204" pitchFamily="34" charset="0"/>
+              <a:buChar char="•"/>
+            </a:pPr>
+            <a:r>
+              <a:rPr lang="en-IN" sz="1400" b="1" i="0" dirty="0">
+                <a:solidFill>
+                  <a:srgbClr val="333C41"/>
+                </a:solidFill>
+                <a:effectLst/>
+                <a:latin typeface="Bell MT" panose="02020503060305020303" pitchFamily="18" charset="0"/>
+              </a:rPr>
+              <a:t>Saraka Sahaswin</a:t>
+            </a:r>
+          </a:p>
+          <a:p>
+            <a:pPr marL="285750" indent="-285750" algn="l">
+              <a:buFont typeface="Arial" panose="020B0604020202020204" pitchFamily="34" charset="0"/>
+              <a:buChar char="•"/>
+            </a:pPr>
+            <a:r>
+              <a:rPr lang="en-IN" sz="1400" b="1" i="0" dirty="0">
+                <a:solidFill>
+                  <a:srgbClr val="333C41"/>
+                </a:solidFill>
+                <a:effectLst/>
+                <a:latin typeface="Bell MT" panose="02020503060305020303" pitchFamily="18" charset="0"/>
+              </a:rPr>
+              <a:t>Rahul Batherikal</a:t>
+            </a:r>
+          </a:p>
+          <a:p>
+            <a:pPr marL="285750" indent="-285750" algn="l">
+              <a:buFont typeface="Arial" panose="020B0604020202020204" pitchFamily="34" charset="0"/>
+              <a:buChar char="•"/>
+            </a:pPr>
+            <a:r>
+              <a:rPr lang="en-IN" sz="1400" b="1" i="0" dirty="0">
+                <a:solidFill>
+                  <a:srgbClr val="333C41"/>
+                </a:solidFill>
+                <a:effectLst/>
+                <a:latin typeface="Bell MT" panose="02020503060305020303" pitchFamily="18" charset="0"/>
+              </a:rPr>
+              <a:t>Gaurav Singh Rawat</a:t>
+            </a:r>
+          </a:p>
+          <a:p>
+            <a:pPr marL="285750" indent="-285750" algn="l">
+              <a:buFont typeface="Arial" panose="020B0604020202020204" pitchFamily="34" charset="0"/>
+              <a:buChar char="•"/>
+            </a:pPr>
+            <a:r>
+              <a:rPr lang="en-IN" sz="1400" b="1" i="0" dirty="0">
+                <a:solidFill>
+                  <a:srgbClr val="333C41"/>
+                </a:solidFill>
+                <a:effectLst/>
+                <a:latin typeface="Bell MT" panose="02020503060305020303" pitchFamily="18" charset="0"/>
+              </a:rPr>
+              <a:t>Comfort Iroha Onuoha</a:t>
+            </a:r>
+          </a:p>
+          <a:p>
+            <a:pPr marL="285750" indent="-285750" algn="l">
+              <a:buFont typeface="Arial" panose="020B0604020202020204" pitchFamily="34" charset="0"/>
+              <a:buChar char="•"/>
+            </a:pPr>
+            <a:r>
+              <a:rPr lang="en-IN" sz="1400" b="1" i="0" dirty="0">
+                <a:solidFill>
+                  <a:srgbClr val="333C41"/>
+                </a:solidFill>
+                <a:effectLst/>
+                <a:latin typeface="Bell MT" panose="02020503060305020303" pitchFamily="18" charset="0"/>
+              </a:rPr>
+              <a:t>Fatemi Sadikbhai Lokhandwala</a:t>
+            </a:r>
+          </a:p>
+          <a:p>
+            <a:pPr marL="285750" indent="-285750" algn="l">
+              <a:buFont typeface="Arial" panose="020B0604020202020204" pitchFamily="34" charset="0"/>
+              <a:buChar char="•"/>
+            </a:pPr>
+            <a:r>
+              <a:rPr lang="en-IN" sz="1400" b="1" i="0" dirty="0">
+                <a:solidFill>
+                  <a:srgbClr val="333C41"/>
+                </a:solidFill>
+                <a:effectLst/>
+                <a:latin typeface="Bell MT" panose="02020503060305020303" pitchFamily="18" charset="0"/>
+              </a:rPr>
+              <a:t>Vandit Kalathiya</a:t>
+            </a:r>
+          </a:p>
+          <a:p>
+            <a:pPr marL="285750" indent="-285750" algn="l">
+              <a:buFont typeface="Arial" panose="020B0604020202020204" pitchFamily="34" charset="0"/>
+              <a:buChar char="•"/>
+            </a:pPr>
+            <a:r>
+              <a:rPr lang="en-IN" sz="1400" b="1" i="0" dirty="0">
+                <a:solidFill>
+                  <a:srgbClr val="333C41"/>
+                </a:solidFill>
+                <a:effectLst/>
+                <a:latin typeface="Bell MT" panose="02020503060305020303" pitchFamily="18" charset="0"/>
+              </a:rPr>
+              <a:t>Dhiraj Dahal</a:t>
+            </a:r>
+          </a:p>
+          <a:p>
+            <a:endParaRPr lang="en-IN" b="1" i="0" dirty="0">
+              <a:solidFill>
+                <a:srgbClr val="333C41"/>
+              </a:solidFill>
+              <a:effectLst/>
+              <a:latin typeface="Inter"/>
+            </a:endParaRPr>
+          </a:p>
+          <a:p>
+            <a:endParaRPr lang="en-IN" b="0" i="0" u="sng" dirty="0">
+              <a:solidFill>
+                <a:srgbClr val="C31A42"/>
+              </a:solidFill>
+              <a:effectLst/>
+              <a:latin typeface="Inter"/>
+            </a:endParaRPr>
+          </a:p>
+          <a:p>
+            <a:endParaRPr lang="en-IN" b="1" i="0" dirty="0">
+              <a:solidFill>
+                <a:srgbClr val="333C41"/>
+              </a:solidFill>
+              <a:effectLst/>
+              <a:latin typeface="Inter"/>
+            </a:endParaRPr>
+          </a:p>
+          <a:p>
+            <a:endParaRPr lang="en-US" dirty="0"/>
+          </a:p>
+          <a:p>
             <a:endParaRPr lang="en-IN" dirty="0"/>
+          </a:p>
+        </p:txBody>
+      </p:sp>
+      <p:sp>
+        <p:nvSpPr>
+          <p:cNvPr id="5" name="Rectangle 1">
+            <a:extLst>
+              <a:ext uri="{FF2B5EF4-FFF2-40B4-BE49-F238E27FC236}">
+                <a16:creationId xmlns:a16="http://schemas.microsoft.com/office/drawing/2014/main" id="{541FF584-5721-E07D-7DBE-5E126C12954C}"/>
+              </a:ext>
+            </a:extLst>
+          </p:cNvPr>
+          <p:cNvSpPr>
+            <a:spLocks noChangeArrowheads="1"/>
+          </p:cNvSpPr>
+          <p:nvPr/>
+        </p:nvSpPr>
+        <p:spPr bwMode="auto">
+          <a:xfrm>
+            <a:off x="4062413" y="1606550"/>
+            <a:ext cx="12192000" cy="0"/>
+          </a:xfrm>
+          <a:prstGeom prst="rect">
+            <a:avLst/>
+          </a:prstGeom>
+          <a:noFill/>
+          <a:ln>
+            <a:noFill/>
+          </a:ln>
+          <a:effectLst/>
+          <a:extLst>
+            <a:ext uri="{909E8E84-426E-40DD-AFC4-6F175D3DCCD1}">
+              <a14:hiddenFill xmlns:a14="http://schemas.microsoft.com/office/drawing/2010/main">
+                <a:solidFill>
+                  <a:schemeClr val="accent1"/>
+                </a:solidFill>
+              </a14:hiddenFill>
+            </a:ext>
+            <a:ext uri="{91240B29-F687-4F45-9708-019B960494DF}">
+              <a14:hiddenLine xmlns:a14="http://schemas.microsoft.com/office/drawing/2010/main" w="9525">
+                <a:solidFill>
+                  <a:schemeClr val="tx1"/>
+                </a:solidFill>
+                <a:miter lim="800000"/>
+                <a:headEnd/>
+                <a:tailEnd/>
+              </a14:hiddenLine>
+            </a:ext>
+            <a:ext uri="{AF507438-7753-43E0-B8FC-AC1667EBCBE1}">
+              <a14:hiddenEffects xmlns:a14="http://schemas.microsoft.com/office/drawing/2010/main">
+                <a:effectLst>
+                  <a:outerShdw dist="35921" dir="2700000" algn="ctr" rotWithShape="0">
+                    <a:schemeClr val="bg2"/>
+                  </a:outerShdw>
+                </a:effectLst>
+              </a14:hiddenEffects>
+            </a:ext>
+          </a:extLst>
+        </p:spPr>
+        <p:txBody>
+          <a:bodyPr vert="horz" wrap="none" lIns="91440" tIns="45720" rIns="91440" bIns="45720" numCol="1" anchor="ctr" anchorCtr="0" compatLnSpc="1">
+            <a:prstTxWarp prst="textNoShape">
+              <a:avLst/>
+            </a:prstTxWarp>
+            <a:spAutoFit/>
+          </a:bodyPr>
+          <a:lstStyle/>
+          <a:p>
+            <a:pPr marL="0" marR="0" lvl="0" indent="0" algn="l" defTabSz="914400" rtl="0" eaLnBrk="0" fontAlgn="base" latinLnBrk="0" hangingPunct="0">
+              <a:lnSpc>
+                <a:spcPct val="100000"/>
+              </a:lnSpc>
+              <a:spcBef>
+                <a:spcPct val="0"/>
+              </a:spcBef>
+              <a:spcAft>
+                <a:spcPct val="0"/>
+              </a:spcAft>
+              <a:buClrTx/>
+              <a:buSzTx/>
+              <a:buFontTx/>
+              <a:buNone/>
+              <a:tabLst/>
+            </a:pPr>
+            <a:br>
+              <a:rPr kumimoji="0" lang="en-US" altLang="en-US" sz="1800" b="0" i="0" u="none" strike="noStrike" cap="none" normalizeH="0" baseline="0">
+                <a:ln>
+                  <a:noFill/>
+                </a:ln>
+                <a:solidFill>
+                  <a:schemeClr val="tx1"/>
+                </a:solidFill>
+                <a:effectLst/>
+                <a:latin typeface="Arial" panose="020B0604020202020204" pitchFamily="34" charset="0"/>
+              </a:rPr>
+            </a:br>
+            <a:endParaRPr kumimoji="0" lang="en-US" altLang="en-US" sz="1800" b="0" i="0" u="none" strike="noStrike" cap="none" normalizeH="0" baseline="0">
+              <a:ln>
+                <a:noFill/>
+              </a:ln>
+              <a:solidFill>
+                <a:schemeClr val="tx1"/>
+              </a:solidFill>
+              <a:effectLst/>
+              <a:latin typeface="Arial" panose="020B0604020202020204" pitchFamily="34" charset="0"/>
+            </a:endParaRPr>
+          </a:p>
+        </p:txBody>
+      </p:sp>
+      <p:sp>
+        <p:nvSpPr>
+          <p:cNvPr id="6" name="TextBox 5">
+            <a:extLst>
+              <a:ext uri="{FF2B5EF4-FFF2-40B4-BE49-F238E27FC236}">
+                <a16:creationId xmlns:a16="http://schemas.microsoft.com/office/drawing/2014/main" id="{4067F314-B1DD-99E4-E998-49D5D32D6F5E}"/>
+              </a:ext>
+            </a:extLst>
+          </p:cNvPr>
+          <p:cNvSpPr txBox="1"/>
+          <p:nvPr/>
+        </p:nvSpPr>
+        <p:spPr>
+          <a:xfrm>
+            <a:off x="2235200" y="2597046"/>
+            <a:ext cx="8056880" cy="830997"/>
+          </a:xfrm>
+          <a:prstGeom prst="rect">
+            <a:avLst/>
+          </a:prstGeom>
+          <a:noFill/>
+        </p:spPr>
+        <p:txBody>
+          <a:bodyPr wrap="square" rtlCol="0">
+            <a:spAutoFit/>
+          </a:bodyPr>
+          <a:lstStyle/>
+          <a:p>
+            <a:r>
+              <a:rPr lang="en-IN" sz="4800" b="1" i="0" dirty="0">
+                <a:solidFill>
+                  <a:schemeClr val="accent1">
+                    <a:lumMod val="50000"/>
+                  </a:schemeClr>
+                </a:solidFill>
+                <a:effectLst/>
+                <a:latin typeface="Inter"/>
+              </a:rPr>
+              <a:t>AISC1006 - Step Presentation</a:t>
+            </a:r>
+            <a:endParaRPr lang="en-IN" sz="4800" dirty="0">
+              <a:solidFill>
+                <a:schemeClr val="accent1">
+                  <a:lumMod val="50000"/>
+                </a:schemeClr>
+              </a:solidFill>
+            </a:endParaRPr>
           </a:p>
         </p:txBody>
       </p:sp>
@@ -7690,10 +8042,24 @@
           <a:lstStyle/>
           <a:p>
             <a:r>
-              <a:rPr lang="en-US" dirty="0"/>
-              <a:t>Contents</a:t>
+              <a:rPr lang="en-US" u="sng" dirty="0">
+                <a:solidFill>
+                  <a:schemeClr val="accent4">
+                    <a:lumMod val="75000"/>
+                  </a:schemeClr>
+                </a:solidFill>
+                <a:latin typeface="Bookman Old Style" panose="02050604050505020204" pitchFamily="18" charset="0"/>
+              </a:rPr>
+              <a:t>Contents </a:t>
             </a:r>
-            <a:endParaRPr lang="en-IN" dirty="0"/>
+            <a:endParaRPr lang="en-IN" u="sng" dirty="0">
+              <a:solidFill>
+                <a:schemeClr val="accent4">
+                  <a:lumMod val="75000"/>
+                </a:schemeClr>
+              </a:solidFill>
+              <a:latin typeface="Bookman Old Style" panose="02050604050505020204" pitchFamily="18" charset="0"/>
+            </a:endParaRPr>
           </a:p>
         </p:txBody>
       </p:sp>
@@ -7715,34 +8081,103 @@
         </p:nvSpPr>
         <p:spPr/>
         <p:txBody>
-          <a:bodyPr/>
+          <a:bodyPr>
+            <a:normAutofit fontScale="92500"/>
+          </a:bodyPr>
           <a:lstStyle/>
           <a:p>
+            <a:pPr>
+              <a:lnSpc>
+                <a:spcPct val="250000"/>
+              </a:lnSpc>
+            </a:pPr>
             <a:r>
-              <a:rPr lang="en-US" dirty="0"/>
-              <a:t>Overview of the project</a:t>
+              <a:rPr lang="en-US" dirty="0">
+                <a:latin typeface="+mj-lt"/>
+              </a:rPr>
+              <a:t>Overview of the project.</a:t>
             </a:r>
           </a:p>
           <a:p>
+            <a:pPr>
+              <a:lnSpc>
+                <a:spcPct val="250000"/>
+              </a:lnSpc>
+            </a:pPr>
             <a:r>
-              <a:rPr lang="en-US" dirty="0"/>
-              <a:t>Data science lifecycle</a:t>
+              <a:rPr lang="en-US" dirty="0">
+                <a:latin typeface="+mj-lt"/>
+              </a:rPr>
+              <a:t>Data science lifecycle.</a:t>
             </a:r>
           </a:p>
           <a:p>
+            <a:pPr>
+              <a:lnSpc>
+                <a:spcPct val="250000"/>
+              </a:lnSpc>
+            </a:pPr>
             <a:r>
-              <a:rPr lang="en-IN" dirty="0"/>
+              <a:rPr lang="en-IN" dirty="0">
+                <a:latin typeface="+mj-lt"/>
+              </a:rPr>
               <a:t>Understanding the data set.</a:t>
             </a:r>
           </a:p>
           <a:p>
+            <a:pPr>
+              <a:lnSpc>
+                <a:spcPct val="250000"/>
+              </a:lnSpc>
+            </a:pPr>
             <a:r>
-              <a:rPr lang="en-IN" dirty="0"/>
-              <a:t>Gantt Chart</a:t>
+              <a:rPr lang="en-IN" dirty="0">
+                <a:latin typeface="+mj-lt"/>
+              </a:rPr>
+              <a:t>Gantt Chart.</a:t>
             </a:r>
           </a:p>
         </p:txBody>
       </p:sp>
+      <p:pic>
+        <p:nvPicPr>
+          <p:cNvPr id="7" name="Graphic 6" descr="Stack of books with pear">
+            <a:extLst>
+              <a:ext uri="{FF2B5EF4-FFF2-40B4-BE49-F238E27FC236}">
+                <a16:creationId xmlns:a16="http://schemas.microsoft.com/office/drawing/2014/main" id="{11C467E4-53D6-1A5C-54D9-7B49A23037A9}"/>
+              </a:ext>
+            </a:extLst>
+          </p:cNvPr>
+          <p:cNvPicPr>
+            <a:picLocks noChangeAspect="1"/>
+          </p:cNvPicPr>
+          <p:nvPr/>
+        </p:nvPicPr>
+        <p:blipFill>
+          <a:blip r:embed="rId2">
+            <a:extLst>
+              <a:ext uri="{28A0092B-C50C-407E-A947-70E740481C1C}">
+                <a14:useLocalDpi xmlns:a14="http://schemas.microsoft.com/office/drawing/2010/main" val="0"/>
+              </a:ext>
+              <a:ext uri="{96DAC541-7B7A-43D3-8B79-37D633B846F1}">
+                <asvg:svgBlip xmlns:asvg="http://schemas.microsoft.com/office/drawing/2016/SVG/main" r:embed="rId3"/>
+              </a:ext>
+            </a:extLst>
+          </a:blip>
+          <a:stretch>
+            <a:fillRect/>
+          </a:stretch>
+        </p:blipFill>
+        <p:spPr>
+          <a:xfrm>
+            <a:off x="5265906" y="-218873"/>
+            <a:ext cx="7295745" cy="7295745"/>
+          </a:xfrm>
+          <a:prstGeom prst="rect">
+            <a:avLst/>
+          </a:prstGeom>
+        </p:spPr>
+      </p:pic>
     </p:spTree>
     <p:extLst>
       <p:ext uri="{BB962C8B-B14F-4D97-AF65-F5344CB8AC3E}">
@@ -7789,7 +8224,12 @@
             <p:ph type="title"/>
           </p:nvPr>
         </p:nvSpPr>
-        <p:spPr/>
+        <p:spPr>
+          <a:xfrm>
+            <a:off x="692285" y="895823"/>
+            <a:ext cx="10515600" cy="1325563"/>
+          </a:xfrm>
+        </p:spPr>
         <p:txBody>
           <a:bodyPr>
             <a:normAutofit/>
@@ -7797,14 +8237,16 @@
           <a:lstStyle/>
           <a:p>
             <a:r>
-              <a:rPr lang="en-US" b="0" i="0" dirty="0">
+              <a:rPr lang="en-US" b="1" i="0" u="sng" spc="600" dirty="0">
                 <a:solidFill>
-                  <a:srgbClr val="202124"/>
+                  <a:schemeClr val="accent5">
+                    <a:lumMod val="50000"/>
+                  </a:schemeClr>
                 </a:solidFill>
                 <a:effectLst/>
-                <a:latin typeface="arial" panose="020B0604020202020204" pitchFamily="34" charset="0"/>
+                <a:latin typeface="Bookman Old Style" panose="02050604050505020204" pitchFamily="18" charset="0"/>
               </a:rPr>
-              <a:t>Overview of the Project.</a:t>
+              <a:t>Overview of the Project</a:t>
             </a:r>
             <a:br>
               <a:rPr lang="en-US" b="0" i="0" dirty="0">
@@ -7837,7 +8279,7 @@
         </p:nvSpPr>
         <p:spPr>
           <a:xfrm>
-            <a:off x="614464" y="1387881"/>
+            <a:off x="604304" y="2312441"/>
             <a:ext cx="10515600" cy="4351338"/>
           </a:xfrm>
         </p:spPr>
@@ -7874,7 +8316,9 @@
             </a:endParaRPr>
           </a:p>
           <a:p>
-            <a:pPr algn="l"/>
+            <a:pPr marL="0" indent="0" algn="l">
+              <a:buNone/>
+            </a:pPr>
             <a:endParaRPr lang="en-US" b="0" i="0" dirty="0">
               <a:solidFill>
                 <a:srgbClr val="4D5156"/>
@@ -7914,10 +8358,24 @@
               <a:buNone/>
             </a:pPr>
             <a:r>
-              <a:rPr lang="en-US" dirty="0"/>
+              <a:rPr lang="en-US" i="1" u="sng" dirty="0">
+                <a:solidFill>
+                  <a:schemeClr val="accent2">
+                    <a:lumMod val="50000"/>
+                  </a:schemeClr>
+                </a:solidFill>
+                <a:latin typeface="Century Schoolbook" panose="02040604050505020304" pitchFamily="18" charset="0"/>
+              </a:rPr>
               <a:t>The main aim of our project is to predicting customer churn using machine learning models.</a:t>
             </a:r>
-            <a:endParaRPr lang="en-IN" dirty="0"/>
+            <a:endParaRPr lang="en-IN" i="1" u="sng" dirty="0">
+              <a:solidFill>
+                <a:schemeClr val="accent2">
+                  <a:lumMod val="50000"/>
+                </a:schemeClr>
+              </a:solidFill>
+              <a:latin typeface="Century Schoolbook" panose="02040604050505020304" pitchFamily="18" charset="0"/>
+            </a:endParaRPr>
           </a:p>
           <a:p>
             <a:pPr marL="0" indent="0">
@@ -7933,6 +8391,45 @@
           </a:p>
         </p:txBody>
       </p:sp>
+      <p:pic>
+        <p:nvPicPr>
+          <p:cNvPr id="5" name="Graphic 4" descr="Classroom with solid fill">
+            <a:extLst>
+              <a:ext uri="{FF2B5EF4-FFF2-40B4-BE49-F238E27FC236}">
+                <a16:creationId xmlns:a16="http://schemas.microsoft.com/office/drawing/2014/main" id="{1C1E8D93-BA07-A014-EC66-DAAA74E016FE}"/>
+              </a:ext>
+            </a:extLst>
+          </p:cNvPr>
+          <p:cNvPicPr>
+            <a:picLocks noChangeAspect="1"/>
+          </p:cNvPicPr>
+          <p:nvPr/>
+        </p:nvPicPr>
+        <p:blipFill>
+          <a:blip r:embed="rId2">
+            <a:extLst>
+              <a:ext uri="{28A0092B-C50C-407E-A947-70E740481C1C}">
+                <a14:useLocalDpi xmlns:a14="http://schemas.microsoft.com/office/drawing/2010/main" val="0"/>
+              </a:ext>
+              <a:ext uri="{96DAC541-7B7A-43D3-8B79-37D633B846F1}">
+                <asvg:svgBlip xmlns:asvg="http://schemas.microsoft.com/office/drawing/2016/SVG/main" r:embed="rId3"/>
+              </a:ext>
+            </a:extLst>
+          </a:blip>
+          <a:stretch>
+            <a:fillRect/>
+          </a:stretch>
+        </p:blipFill>
+        <p:spPr>
+          <a:xfrm>
+            <a:off x="9706151" y="483754"/>
+            <a:ext cx="1413753" cy="1413753"/>
+          </a:xfrm>
+          <a:prstGeom prst="rect">
+            <a:avLst/>
+          </a:prstGeom>
+        </p:spPr>
+      </p:pic>
     </p:spTree>
     <p:extLst>
       <p:ext uri="{BB962C8B-B14F-4D97-AF65-F5344CB8AC3E}">
@@ -7943,6 +8440,183 @@
   <p:clrMapOvr>
     <a:masterClrMapping/>
   </p:clrMapOvr>
+  <p:timing>
+    <p:tnLst>
+      <p:par>
+        <p:cTn id="1" dur="indefinite" restart="never" nodeType="tmRoot">
+          <p:childTnLst>
+            <p:seq concurrent="1" nextAc="seek">
+              <p:cTn id="2" dur="indefinite" nodeType="mainSeq">
+                <p:childTnLst>
+                  <p:par>
+                    <p:cTn id="3" fill="hold">
+                      <p:stCondLst>
+                        <p:cond delay="indefinite"/>
+                      </p:stCondLst>
+                      <p:childTnLst>
+                        <p:par>
+                          <p:cTn id="4" fill="hold">
+                            <p:stCondLst>
+                              <p:cond delay="0"/>
+                            </p:stCondLst>
+                            <p:childTnLst>
+                              <p:par>
+                                <p:cTn id="5" presetID="1" presetClass="entr" presetSubtype="0" fill="hold" nodeType="clickEffect">
+                                  <p:stCondLst>
+                                    <p:cond delay="0"/>
+                                  </p:stCondLst>
+                                  <p:childTnLst>
+                                    <p:set>
+                                      <p:cBhvr>
+                                        <p:cTn id="6" dur="1" fill="hold">
+                                          <p:stCondLst>
+                                            <p:cond delay="0"/>
+                                          </p:stCondLst>
+                                        </p:cTn>
+                                        <p:tgtEl>
+                                          <p:spTgt spid="3">
+                                            <p:txEl>
+                                              <p:pRg st="0" end="0"/>
+                                            </p:txEl>
+                                          </p:spTgt>
+                                        </p:tgtEl>
+                                        <p:attrNameLst>
+                                          <p:attrName>style.visibility</p:attrName>
+                                        </p:attrNameLst>
+                                      </p:cBhvr>
+                                      <p:to>
+                                        <p:strVal val="visible"/>
+                                      </p:to>
+                                    </p:set>
+                                  </p:childTnLst>
+                                </p:cTn>
+                              </p:par>
+                            </p:childTnLst>
+                          </p:cTn>
+                        </p:par>
+                      </p:childTnLst>
+                    </p:cTn>
+                  </p:par>
+                  <p:par>
+                    <p:cTn id="7" fill="hold">
+                      <p:stCondLst>
+                        <p:cond delay="indefinite"/>
+                      </p:stCondLst>
+                      <p:childTnLst>
+                        <p:par>
+                          <p:cTn id="8" fill="hold">
+                            <p:stCondLst>
+                              <p:cond delay="0"/>
+                            </p:stCondLst>
+                            <p:childTnLst>
+                              <p:par>
+                                <p:cTn id="9" presetID="1" presetClass="entr" presetSubtype="0" fill="hold" nodeType="clickEffect">
+                                  <p:stCondLst>
+                                    <p:cond delay="0"/>
+                                  </p:stCondLst>
+                                  <p:childTnLst>
+                                    <p:set>
+                                      <p:cBhvr>
+                                        <p:cTn id="10" dur="1" fill="hold">
+                                          <p:stCondLst>
+                                            <p:cond delay="0"/>
+                                          </p:stCondLst>
+                                        </p:cTn>
+                                        <p:tgtEl>
+                                          <p:spTgt spid="3">
+                                            <p:txEl>
+                                              <p:pRg st="2" end="2"/>
+                                            </p:txEl>
+                                          </p:spTgt>
+                                        </p:tgtEl>
+                                        <p:attrNameLst>
+                                          <p:attrName>style.visibility</p:attrName>
+                                        </p:attrNameLst>
+                                      </p:cBhvr>
+                                      <p:to>
+                                        <p:strVal val="visible"/>
+                                      </p:to>
+                                    </p:set>
+                                  </p:childTnLst>
+                                </p:cTn>
+                              </p:par>
+                            </p:childTnLst>
+                          </p:cTn>
+                        </p:par>
+                      </p:childTnLst>
+                    </p:cTn>
+                  </p:par>
+                  <p:par>
+                    <p:cTn id="11" fill="hold">
+                      <p:stCondLst>
+                        <p:cond delay="indefinite"/>
+                      </p:stCondLst>
+                      <p:childTnLst>
+                        <p:par>
+                          <p:cTn id="12" fill="hold">
+                            <p:stCondLst>
+                              <p:cond delay="0"/>
+                            </p:stCondLst>
+                            <p:childTnLst>
+                              <p:par>
+                                <p:cTn id="13" presetID="1" presetClass="entr" presetSubtype="0" fill="hold" nodeType="clickEffect">
+                                  <p:stCondLst>
+                                    <p:cond delay="0"/>
+                                  </p:stCondLst>
+                                  <p:childTnLst>
+                                    <p:set>
+                                      <p:cBhvr>
+                                        <p:cTn id="14" dur="1" fill="hold">
+                                          <p:stCondLst>
+                                            <p:cond delay="0"/>
+                                          </p:stCondLst>
+                                        </p:cTn>
+                                        <p:tgtEl>
+                                          <p:spTgt spid="3">
+                                            <p:txEl>
+                                              <p:pRg st="4" end="4"/>
+                                            </p:txEl>
+                                          </p:spTgt>
+                                        </p:tgtEl>
+                                        <p:attrNameLst>
+                                          <p:attrName>style.visibility</p:attrName>
+                                        </p:attrNameLst>
+                                      </p:cBhvr>
+                                      <p:to>
+                                        <p:strVal val="visible"/>
+                                      </p:to>
+                                    </p:set>
+                                  </p:childTnLst>
+                                </p:cTn>
+                              </p:par>
+                            </p:childTnLst>
+                          </p:cTn>
+                        </p:par>
+                      </p:childTnLst>
+                    </p:cTn>
+                  </p:par>
+                </p:childTnLst>
+              </p:cTn>
+              <p:prevCondLst>
+                <p:cond evt="onPrev" delay="0">
+                  <p:tgtEl>
+                    <p:sldTgt/>
+                  </p:tgtEl>
+                </p:cond>
+              </p:prevCondLst>
+              <p:nextCondLst>
+                <p:cond evt="onNext" delay="0">
+                  <p:tgtEl>
+                    <p:sldTgt/>
+                  </p:tgtEl>
+                </p:cond>
+              </p:nextCondLst>
+            </p:seq>
+          </p:childTnLst>
+        </p:cTn>
+      </p:par>
+    </p:tnLst>
+  </p:timing>
 </p:sld>
 </file>
 
@@ -7985,10 +8659,24 @@
           <a:lstStyle/>
           <a:p>
             <a:r>
-              <a:rPr lang="en-US" dirty="0"/>
+              <a:rPr lang="en-US" b="1" u="sng" spc="600" dirty="0">
+                <a:solidFill>
+                  <a:schemeClr val="accent5">
+                    <a:lumMod val="50000"/>
+                  </a:schemeClr>
+                </a:solidFill>
+                <a:latin typeface="Bookman Old Style" panose="02050604050505020204" pitchFamily="18" charset="0"/>
+              </a:rPr>
               <a:t>About our Project</a:t>
             </a:r>
-            <a:endParaRPr lang="en-IN" dirty="0"/>
+            <a:endParaRPr lang="en-IN" b="1" u="sng" spc="600" dirty="0">
+              <a:solidFill>
+                <a:schemeClr val="accent5">
+                  <a:lumMod val="50000"/>
+                </a:schemeClr>
+              </a:solidFill>
+              <a:latin typeface="Bookman Old Style" panose="02050604050505020204" pitchFamily="18" charset="0"/>
+            </a:endParaRPr>
           </a:p>
         </p:txBody>
       </p:sp>
@@ -8013,6 +8701,11 @@
           <a:bodyPr/>
           <a:lstStyle/>
           <a:p>
+            <a:pPr>
+              <a:lnSpc>
+                <a:spcPct val="200000"/>
+              </a:lnSpc>
+            </a:pPr>
             <a:r>
               <a:rPr lang="en-US" dirty="0"/>
               <a:t>Our project is targeting the number of customers who are leaving </a:t>
@@ -8028,11 +8721,19 @@
           </a:p>
           <a:p>
             <a:pPr marL="0" indent="0">
+              <a:lnSpc>
+                <a:spcPct val="200000"/>
+              </a:lnSpc>
               <a:buNone/>
             </a:pPr>
             <a:endParaRPr lang="en-US" dirty="0"/>
           </a:p>
           <a:p>
+            <a:pPr>
+              <a:lnSpc>
+                <a:spcPct val="200000"/>
+              </a:lnSpc>
+            </a:pPr>
             <a:r>
               <a:rPr lang="en-US" dirty="0"/>
               <a:t>Our project has dataset consisting of approximately 7000+ customers.</a:t>
@@ -8046,6 +8747,45 @@
           </a:p>
         </p:txBody>
       </p:sp>
+      <p:pic>
+        <p:nvPicPr>
+          <p:cNvPr id="5" name="Graphic 4" descr="Checklist with solid fill">
+            <a:extLst>
+              <a:ext uri="{FF2B5EF4-FFF2-40B4-BE49-F238E27FC236}">
+                <a16:creationId xmlns:a16="http://schemas.microsoft.com/office/drawing/2014/main" id="{DA93DC5F-18CB-02D3-2F32-295F97502B83}"/>
+              </a:ext>
+            </a:extLst>
+          </p:cNvPr>
+          <p:cNvPicPr>
+            <a:picLocks noChangeAspect="1"/>
+          </p:cNvPicPr>
+          <p:nvPr/>
+        </p:nvPicPr>
+        <p:blipFill>
+          <a:blip r:embed="rId2">
+            <a:extLst>
+              <a:ext uri="{28A0092B-C50C-407E-A947-70E740481C1C}">
+                <a14:useLocalDpi xmlns:a14="http://schemas.microsoft.com/office/drawing/2010/main" val="0"/>
+              </a:ext>
+              <a:ext uri="{96DAC541-7B7A-43D3-8B79-37D633B846F1}">
+                <asvg:svgBlip xmlns:asvg="http://schemas.microsoft.com/office/drawing/2016/SVG/main" r:embed="rId3"/>
+              </a:ext>
+            </a:extLst>
+          </a:blip>
+          <a:stretch>
+            <a:fillRect/>
+          </a:stretch>
+        </p:blipFill>
+        <p:spPr>
+          <a:xfrm>
+            <a:off x="7808067" y="459640"/>
+            <a:ext cx="1136531" cy="1136531"/>
+          </a:xfrm>
+          <a:prstGeom prst="rect">
+            <a:avLst/>
+          </a:prstGeom>
+        </p:spPr>
+      </p:pic>
     </p:spTree>
     <p:extLst>
       <p:ext uri="{BB962C8B-B14F-4D97-AF65-F5344CB8AC3E}">
@@ -8056,6 +8796,134 @@
   <p:clrMapOvr>
     <a:masterClrMapping/>
   </p:clrMapOvr>
+  <p:timing>
+    <p:tnLst>
+      <p:par>
+        <p:cTn id="1" dur="indefinite" restart="never" nodeType="tmRoot">
+          <p:childTnLst>
+            <p:seq concurrent="1" nextAc="seek">
+              <p:cTn id="2" dur="indefinite" nodeType="mainSeq">
+                <p:childTnLst>
+                  <p:par>
+                    <p:cTn id="3" fill="hold">
+                      <p:stCondLst>
+                        <p:cond delay="indefinite"/>
+                      </p:stCondLst>
+                      <p:childTnLst>
+                        <p:par>
+                          <p:cTn id="4" fill="hold">
+                            <p:stCondLst>
+                              <p:cond delay="0"/>
+                            </p:stCondLst>
+                            <p:childTnLst>
+                              <p:par>
+                                <p:cTn id="5" presetID="1" presetClass="entr" presetSubtype="0" fill="hold" nodeType="clickEffect">
+                                  <p:stCondLst>
+                                    <p:cond delay="0"/>
+                                  </p:stCondLst>
+                                  <p:childTnLst>
+                                    <p:set>
+                                      <p:cBhvr>
+                                        <p:cTn id="6" dur="1" fill="hold">
+                                          <p:stCondLst>
+                                            <p:cond delay="0"/>
+                                          </p:stCondLst>
+                                        </p:cTn>
+                                        <p:tgtEl>
+                                          <p:spTgt spid="3">
+                                            <p:txEl>
+                                              <p:pRg st="0" end="0"/>
+                                            </p:txEl>
+                                          </p:spTgt>
+                                        </p:tgtEl>
+                                        <p:attrNameLst>
+                                          <p:attrName>style.visibility</p:attrName>
+                                        </p:attrNameLst>
+                                      </p:cBhvr>
+                                      <p:to>
+                                        <p:strVal val="visible"/>
+                                      </p:to>
+                                    </p:set>
+                                  </p:childTnLst>
+                                </p:cTn>
+                              </p:par>
+                            </p:childTnLst>
+                          </p:cTn>
+                        </p:par>
+                      </p:childTnLst>
+                    </p:cTn>
+                  </p:par>
+                  <p:par>
+                    <p:cTn id="7" fill="hold">
+                      <p:stCondLst>
+                        <p:cond delay="indefinite"/>
+                      </p:stCondLst>
+                      <p:childTnLst>
+                        <p:par>
+                          <p:cTn id="8" fill="hold">
+                            <p:stCondLst>
+                              <p:cond delay="0"/>
+                            </p:stCondLst>
+                            <p:childTnLst>
+                              <p:par>
+                                <p:cTn id="9" presetID="1" presetClass="entr" presetSubtype="0" fill="hold" nodeType="clickEffect">
+                                  <p:stCondLst>
+                                    <p:cond delay="0"/>
+                                  </p:stCondLst>
+                                  <p:childTnLst>
+                                    <p:set>
+                                      <p:cBhvr>
+                                        <p:cTn id="10" dur="1" fill="hold">
+                                          <p:stCondLst>
+                                            <p:cond delay="0"/>
+                                          </p:stCondLst>
+                                        </p:cTn>
+                                        <p:tgtEl>
+                                          <p:spTgt spid="3">
+                                            <p:txEl>
+                                              <p:pRg st="2" end="2"/>
+                                            </p:txEl>
+                                          </p:spTgt>
+                                        </p:tgtEl>
+                                        <p:attrNameLst>
+                                          <p:attrName>style.visibility</p:attrName>
+                                        </p:attrNameLst>
+                                      </p:cBhvr>
+                                      <p:to>
+                                        <p:strVal val="visible"/>
+                                      </p:to>
+                                    </p:set>
+                                  </p:childTnLst>
+                                </p:cTn>
+                              </p:par>
+                            </p:childTnLst>
+                          </p:cTn>
+                        </p:par>
+                      </p:childTnLst>
+                    </p:cTn>
+                  </p:par>
+                </p:childTnLst>
+              </p:cTn>
+              <p:prevCondLst>
+                <p:cond evt="onPrev" delay="0">
+                  <p:tgtEl>
+                    <p:sldTgt/>
+                  </p:tgtEl>
+                </p:cond>
+              </p:prevCondLst>
+              <p:nextCondLst>
+                <p:cond evt="onNext" delay="0">
+                  <p:tgtEl>
+                    <p:sldTgt/>
+                  </p:tgtEl>
+                </p:cond>
+              </p:nextCondLst>
+            </p:seq>
+          </p:childTnLst>
+        </p:cTn>
+      </p:par>
+    </p:tnLst>
+  </p:timing>
 </p:sld>
 </file>
 
@@ -8214,6 +9082,94 @@
   <p:clrMapOvr>
     <a:masterClrMapping/>
   </p:clrMapOvr>
+  <p:timing>
+    <p:tnLst>
+      <p:par>
+        <p:cTn id="1" dur="indefinite" restart="never" nodeType="tmRoot">
+          <p:childTnLst>
+            <p:seq concurrent="1" nextAc="seek">
+              <p:cTn id="2" dur="indefinite" nodeType="mainSeq">
+                <p:childTnLst>
+                  <p:par>
+                    <p:cTn id="3" fill="hold">
+                      <p:stCondLst>
+                        <p:cond delay="indefinite"/>
+                      </p:stCondLst>
+                      <p:childTnLst>
+                        <p:par>
+                          <p:cTn id="4" fill="hold">
+                            <p:stCondLst>
+                              <p:cond delay="0"/>
+                            </p:stCondLst>
+                            <p:childTnLst>
+                              <p:par>
+                                <p:cTn id="5" presetID="21" presetClass="entr" presetSubtype="1" fill="hold" grpId="0" nodeType="clickEffect">
+                                  <p:stCondLst>
+                                    <p:cond delay="0"/>
+                                  </p:stCondLst>
+                                  <p:childTnLst>
+                                    <p:set>
+                                      <p:cBhvr>
+                                        <p:cTn id="6" dur="1" fill="hold">
+                                          <p:stCondLst>
+                                            <p:cond delay="0"/>
+                                          </p:stCondLst>
+                                        </p:cTn>
+                                        <p:tgtEl>
+                                          <p:spTgt spid="6"/>
+                                        </p:tgtEl>
+                                        <p:attrNameLst>
+                                          <p:attrName>style.visibility</p:attrName>
+                                        </p:attrNameLst>
+                                      </p:cBhvr>
+                                      <p:to>
+                                        <p:strVal val="visible"/>
+                                      </p:to>
+                                    </p:set>
+                                    <p:animEffect transition="in" filter="wheel(1)">
+                                      <p:cBhvr>
+                                        <p:cTn id="7" dur="2000"/>
+                                        <p:tgtEl>
+                                          <p:spTgt spid="6"/>
+                                        </p:tgtEl>
+                                      </p:cBhvr>
+                                    </p:animEffect>
+                                  </p:childTnLst>
+                                </p:cTn>
+                              </p:par>
+                            </p:childTnLst>
+                          </p:cTn>
+                        </p:par>
+                      </p:childTnLst>
+                    </p:cTn>
+                  </p:par>
+                </p:childTnLst>
+              </p:cTn>
+              <p:prevCondLst>
+                <p:cond evt="onPrev" delay="0">
+                  <p:tgtEl>
+                    <p:sldTgt/>
+                  </p:tgtEl>
+                </p:cond>
+              </p:prevCondLst>
+              <p:nextCondLst>
+                <p:cond evt="onNext" delay="0">
+                  <p:tgtEl>
+                    <p:sldTgt/>
+                  </p:tgtEl>
+                </p:cond>
+              </p:nextCondLst>
+            </p:seq>
+          </p:childTnLst>
+        </p:cTn>
+      </p:par>
+    </p:tnLst>
+    <p:bldLst>
+      <p:bldGraphic spid="6" grpId="0">
+        <p:bldAsOne/>
+      </p:bldGraphic>
+    </p:bldLst>
+  </p:timing>
 </p:sld>
 </file>
 
@@ -8261,10 +9217,24 @@
           <a:lstStyle/>
           <a:p>
             <a:r>
-              <a:rPr lang="en-US" dirty="0"/>
+              <a:rPr lang="en-US" u="sng" spc="300" dirty="0">
+                <a:solidFill>
+                  <a:schemeClr val="accent5">
+                    <a:lumMod val="50000"/>
+                  </a:schemeClr>
+                </a:solidFill>
+                <a:latin typeface="Bookman Old Style" panose="02050604050505020204" pitchFamily="18" charset="0"/>
+              </a:rPr>
               <a:t>Understanding the dataset</a:t>
             </a:r>
-            <a:endParaRPr lang="en-IN" dirty="0"/>
+            <a:endParaRPr lang="en-IN" u="sng" spc="300" dirty="0">
+              <a:solidFill>
+                <a:schemeClr val="accent5">
+                  <a:lumMod val="50000"/>
+                </a:schemeClr>
+              </a:solidFill>
+              <a:latin typeface="Bookman Old Style" panose="02050604050505020204" pitchFamily="18" charset="0"/>
+            </a:endParaRPr>
           </a:p>
         </p:txBody>
       </p:sp>
@@ -8292,7 +9262,7 @@
         </p:spPr>
         <p:txBody>
           <a:bodyPr>
-            <a:normAutofit fontScale="85000" lnSpcReduction="20000"/>
+            <a:normAutofit/>
           </a:bodyPr>
           <a:lstStyle/>
           <a:p>
@@ -8300,123 +9270,222 @@
               <a:buNone/>
             </a:pPr>
             <a:r>
-              <a:rPr lang="en-US" dirty="0"/>
+              <a:rPr lang="en-US" u="sng" dirty="0">
+                <a:latin typeface="Bell MT" panose="02020503060305020303" pitchFamily="18" charset="0"/>
+              </a:rPr>
               <a:t>There are 7043 rows and 21 Features (Target Variable - Churn)</a:t>
             </a:r>
           </a:p>
           <a:p>
-            <a:r>
-              <a:rPr lang="en-US" dirty="0"/>
-              <a:t>1. </a:t>
-            </a:r>
-            <a:r>
-              <a:rPr lang="en-US" dirty="0" err="1"/>
-              <a:t>customerID</a:t>
-            </a:r>
-            <a:r>
-              <a:rPr lang="en-US" dirty="0"/>
-              <a:t> </a:t>
-            </a:r>
-          </a:p>
-          <a:p>
-            <a:r>
-              <a:rPr lang="en-US" dirty="0"/>
-              <a:t>2. gender - Whether the customer is a male or a female</a:t>
-            </a:r>
-          </a:p>
-          <a:p>
-            <a:r>
-              <a:rPr lang="en-US" dirty="0"/>
-              <a:t>3. </a:t>
-            </a:r>
-            <a:r>
-              <a:rPr lang="en-US" dirty="0" err="1"/>
-              <a:t>SeniorCitizen</a:t>
-            </a:r>
-            <a:r>
-              <a:rPr lang="en-US" dirty="0"/>
-              <a:t> - Whether the customer is a senior citizen or not (1, 0)</a:t>
-            </a:r>
-          </a:p>
-          <a:p>
-            <a:r>
-              <a:rPr lang="en-US" dirty="0"/>
-              <a:t>4. Partner - Whether the customer has a partner or not (Yes, No)</a:t>
-            </a:r>
-          </a:p>
-          <a:p>
-            <a:r>
-              <a:rPr lang="en-US" dirty="0"/>
-              <a:t>5. Dependents - Whether the customer has dependents or not (Yes, No)</a:t>
-            </a:r>
-          </a:p>
-          <a:p>
-            <a:r>
-              <a:rPr lang="en-US" dirty="0"/>
-              <a:t>6. tenure -Number of months the customer has stayed with the company</a:t>
-            </a:r>
-          </a:p>
-          <a:p>
-            <a:r>
-              <a:rPr lang="en-US" dirty="0"/>
-              <a:t>7. </a:t>
-            </a:r>
-            <a:r>
-              <a:rPr lang="en-US" dirty="0" err="1"/>
-              <a:t>PhoneService</a:t>
-            </a:r>
-            <a:r>
-              <a:rPr lang="en-US" dirty="0"/>
-              <a:t> - Whether the customer has a phone service or not (Yes, No)</a:t>
-            </a:r>
-          </a:p>
-          <a:p>
-            <a:r>
-              <a:rPr lang="en-US" dirty="0"/>
-              <a:t>8. </a:t>
-            </a:r>
-            <a:r>
-              <a:rPr lang="en-US" dirty="0" err="1"/>
-              <a:t>MultipleLines</a:t>
-            </a:r>
-            <a:r>
-              <a:rPr lang="en-US" dirty="0"/>
-              <a:t> - Whether the customer has multiple lines or not (Yes, No, No phone service)</a:t>
-            </a:r>
-          </a:p>
-          <a:p>
-            <a:r>
-              <a:rPr lang="en-US" dirty="0"/>
-              <a:t>9. </a:t>
-            </a:r>
-            <a:r>
-              <a:rPr lang="en-US" dirty="0" err="1"/>
-              <a:t>InternetService</a:t>
-            </a:r>
-            <a:r>
-              <a:rPr lang="en-US" dirty="0"/>
-              <a:t> - Customer’s internet service provider (DSL, Fiber optic, No)</a:t>
-            </a:r>
-          </a:p>
-          <a:p>
-            <a:r>
-              <a:rPr lang="en-US" dirty="0"/>
-              <a:t>10. </a:t>
-            </a:r>
-            <a:r>
-              <a:rPr lang="en-US" dirty="0" err="1"/>
-              <a:t>OnlineSecurity</a:t>
-            </a:r>
-            <a:r>
-              <a:rPr lang="en-US" dirty="0"/>
-              <a:t> - Whether the customer has online security or not (Yes, No, No internet service)</a:t>
-            </a:r>
-          </a:p>
-          <a:p>
             <a:endParaRPr lang="en-IN" dirty="0"/>
           </a:p>
         </p:txBody>
       </p:sp>
+      <p:pic>
+        <p:nvPicPr>
+          <p:cNvPr id="11" name="Picture 10">
+            <a:extLst>
+              <a:ext uri="{FF2B5EF4-FFF2-40B4-BE49-F238E27FC236}">
+                <a16:creationId xmlns:a16="http://schemas.microsoft.com/office/drawing/2014/main" id="{016F270D-F95B-80FF-37C2-2B6E14C5D259}"/>
+              </a:ext>
+            </a:extLst>
+          </p:cNvPr>
+          <p:cNvPicPr>
+            <a:picLocks noChangeAspect="1"/>
+          </p:cNvPicPr>
+          <p:nvPr/>
+        </p:nvPicPr>
+        <p:blipFill>
+          <a:blip r:embed="rId2"/>
+          <a:stretch>
+            <a:fillRect/>
+          </a:stretch>
+        </p:blipFill>
+        <p:spPr>
+          <a:xfrm>
+            <a:off x="1692432" y="1818640"/>
+            <a:ext cx="4041038" cy="4751079"/>
+          </a:xfrm>
+          <a:prstGeom prst="rect">
+            <a:avLst/>
+          </a:prstGeom>
+        </p:spPr>
+      </p:pic>
+      <p:sp>
+        <p:nvSpPr>
+          <p:cNvPr id="12" name="Arrow: Right 11">
+            <a:extLst>
+              <a:ext uri="{FF2B5EF4-FFF2-40B4-BE49-F238E27FC236}">
+                <a16:creationId xmlns:a16="http://schemas.microsoft.com/office/drawing/2014/main" id="{E9242F89-AA82-D320-FDB1-F8C7ECB802AB}"/>
+              </a:ext>
+            </a:extLst>
+          </p:cNvPr>
+          <p:cNvSpPr/>
+          <p:nvPr/>
+        </p:nvSpPr>
+        <p:spPr>
+          <a:xfrm>
+            <a:off x="6391197" y="3525520"/>
+            <a:ext cx="1270000" cy="741680"/>
+          </a:xfrm>
+          <a:prstGeom prst="rightArrow">
+            <a:avLst/>
+          </a:prstGeom>
+        </p:spPr>
+        <p:style>
+          <a:lnRef idx="3">
+            <a:schemeClr val="lt1"/>
+          </a:lnRef>
+          <a:fillRef idx="1">
+            <a:schemeClr val="accent3"/>
+          </a:fillRef>
+          <a:effectRef idx="1">
+            <a:schemeClr val="accent3"/>
+          </a:effectRef>
+          <a:fontRef idx="minor">
+            <a:schemeClr val="lt1"/>
+          </a:fontRef>
+        </p:style>
+        <p:txBody>
+          <a:bodyPr rtlCol="0" anchor="ctr"/>
+          <a:lstStyle/>
+          <a:p>
+            <a:pPr algn="ctr"/>
+            <a:endParaRPr lang="en-IN"/>
+          </a:p>
+        </p:txBody>
+      </p:sp>
+      <p:sp>
+        <p:nvSpPr>
+          <p:cNvPr id="13" name="Rectangle: Rounded Corners 12">
+            <a:extLst>
+              <a:ext uri="{FF2B5EF4-FFF2-40B4-BE49-F238E27FC236}">
+                <a16:creationId xmlns:a16="http://schemas.microsoft.com/office/drawing/2014/main" id="{B9C5740D-179A-7E48-A204-4993DCC09C9F}"/>
+              </a:ext>
+            </a:extLst>
+          </p:cNvPr>
+          <p:cNvSpPr/>
+          <p:nvPr/>
+        </p:nvSpPr>
+        <p:spPr>
+          <a:xfrm>
+            <a:off x="8249920" y="2956560"/>
+            <a:ext cx="2885440" cy="1798320"/>
+          </a:xfrm>
+          <a:prstGeom prst="roundRect">
+            <a:avLst/>
+          </a:prstGeom>
+          <a:solidFill>
+            <a:schemeClr val="accent4">
+              <a:alpha val="50000"/>
+            </a:schemeClr>
+          </a:solidFill>
+          <a:ln>
+            <a:noFill/>
+          </a:ln>
+        </p:spPr>
+        <p:style>
+          <a:lnRef idx="0">
+            <a:scrgbClr r="0" g="0" b="0"/>
+          </a:lnRef>
+          <a:fillRef idx="0">
+            <a:scrgbClr r="0" g="0" b="0"/>
+          </a:fillRef>
+          <a:effectRef idx="0">
+            <a:scrgbClr r="0" g="0" b="0"/>
+          </a:effectRef>
+          <a:fontRef idx="minor">
+            <a:schemeClr val="lt1"/>
+          </a:fontRef>
+        </p:style>
+        <p:txBody>
+          <a:bodyPr rtlCol="0" anchor="ctr"/>
+          <a:lstStyle/>
+          <a:p>
+            <a:pPr algn="ctr"/>
+            <a:endParaRPr lang="en-IN"/>
+          </a:p>
+        </p:txBody>
+      </p:sp>
+      <p:sp>
+        <p:nvSpPr>
+          <p:cNvPr id="15" name="TextBox 14">
+            <a:extLst>
+              <a:ext uri="{FF2B5EF4-FFF2-40B4-BE49-F238E27FC236}">
+                <a16:creationId xmlns:a16="http://schemas.microsoft.com/office/drawing/2014/main" id="{9910BC26-B2DF-CDD3-8D8C-02747EB4846D}"/>
+              </a:ext>
+            </a:extLst>
+          </p:cNvPr>
+          <p:cNvSpPr txBox="1"/>
+          <p:nvPr/>
+        </p:nvSpPr>
+        <p:spPr>
+          <a:xfrm>
+            <a:off x="8392160" y="3322320"/>
+            <a:ext cx="2570480" cy="1200329"/>
+          </a:xfrm>
+          <a:prstGeom prst="rect">
+            <a:avLst/>
+          </a:prstGeom>
+          <a:noFill/>
+        </p:spPr>
+        <p:txBody>
+          <a:bodyPr wrap="square" rtlCol="0">
+            <a:spAutoFit/>
+          </a:bodyPr>
+          <a:lstStyle/>
+          <a:p>
+            <a:r>
+              <a:rPr lang="en-US" i="1" dirty="0">
+                <a:latin typeface="Bookman Old Style" panose="02050604050505020204" pitchFamily="18" charset="0"/>
+              </a:rPr>
+              <a:t>21. Churn - Whether the customer churned or not (Yes or No)</a:t>
+            </a:r>
+          </a:p>
+          <a:p>
+            <a:endParaRPr lang="en-IN" dirty="0"/>
+          </a:p>
+        </p:txBody>
+      </p:sp>
+      <p:pic>
+        <p:nvPicPr>
+          <p:cNvPr id="5" name="Graphic 4" descr="Bullseye with solid fill">
+            <a:extLst>
+              <a:ext uri="{FF2B5EF4-FFF2-40B4-BE49-F238E27FC236}">
+                <a16:creationId xmlns:a16="http://schemas.microsoft.com/office/drawing/2014/main" id="{DEF2E187-4A4F-B59B-DC0C-97FB9B3683A2}"/>
+              </a:ext>
+            </a:extLst>
+          </p:cNvPr>
+          <p:cNvPicPr>
+            <a:picLocks noChangeAspect="1"/>
+          </p:cNvPicPr>
+          <p:nvPr/>
+        </p:nvPicPr>
+        <p:blipFill>
+          <a:blip r:embed="rId3">
+            <a:extLst>
+              <a:ext uri="{28A0092B-C50C-407E-A947-70E740481C1C}">
+                <a14:useLocalDpi xmlns:a14="http://schemas.microsoft.com/office/drawing/2010/main" val="0"/>
+              </a:ext>
+              <a:ext uri="{96DAC541-7B7A-43D3-8B79-37D633B846F1}">
+                <asvg:svgBlip xmlns:asvg="http://schemas.microsoft.com/office/drawing/2016/SVG/main" r:embed="rId4"/>
+              </a:ext>
+            </a:extLst>
+          </a:blip>
+          <a:stretch>
+            <a:fillRect/>
+          </a:stretch>
+        </p:blipFill>
+        <p:spPr>
+          <a:xfrm>
+            <a:off x="10591800" y="2568668"/>
+            <a:ext cx="914400" cy="914400"/>
+          </a:xfrm>
+          <a:prstGeom prst="rect">
+            <a:avLst/>
+          </a:prstGeom>
+        </p:spPr>
+      </p:pic>
     </p:spTree>
     <p:extLst>
       <p:ext uri="{BB962C8B-B14F-4D97-AF65-F5344CB8AC3E}">
@@ -8427,220 +9496,247 @@
   <p:clrMapOvr>
     <a:masterClrMapping/>
   </p:clrMapOvr>
+  <p:timing>
+    <p:tnLst>
+      <p:par>
+        <p:cTn id="1" dur="indefinite" restart="never" nodeType="tmRoot">
+          <p:childTnLst>
+            <p:seq concurrent="1" nextAc="seek">
+              <p:cTn id="2" dur="indefinite" nodeType="mainSeq">
+                <p:childTnLst>
+                  <p:par>
+                    <p:cTn id="3" fill="hold">
+                      <p:stCondLst>
+                        <p:cond delay="indefinite"/>
+                      </p:stCondLst>
+                      <p:childTnLst>
+                        <p:par>
+                          <p:cTn id="4" fill="hold">
+                            <p:stCondLst>
+                              <p:cond delay="0"/>
+                            </p:stCondLst>
+                            <p:childTnLst>
+                              <p:par>
+                                <p:cTn id="5" presetID="1" presetClass="entr" presetSubtype="0" fill="hold" nodeType="clickEffect">
+                                  <p:stCondLst>
+                                    <p:cond delay="0"/>
+                                  </p:stCondLst>
+                                  <p:childTnLst>
+                                    <p:set>
+                                      <p:cBhvr>
+                                        <p:cTn id="6" dur="1" fill="hold">
+                                          <p:stCondLst>
+                                            <p:cond delay="0"/>
+                                          </p:stCondLst>
+                                        </p:cTn>
+                                        <p:tgtEl>
+                                          <p:spTgt spid="3">
+                                            <p:txEl>
+                                              <p:pRg st="0" end="0"/>
+                                            </p:txEl>
+                                          </p:spTgt>
+                                        </p:tgtEl>
+                                        <p:attrNameLst>
+                                          <p:attrName>style.visibility</p:attrName>
+                                        </p:attrNameLst>
+                                      </p:cBhvr>
+                                      <p:to>
+                                        <p:strVal val="visible"/>
+                                      </p:to>
+                                    </p:set>
+                                  </p:childTnLst>
+                                </p:cTn>
+                              </p:par>
+                            </p:childTnLst>
+                          </p:cTn>
+                        </p:par>
+                      </p:childTnLst>
+                    </p:cTn>
+                  </p:par>
+                  <p:par>
+                    <p:cTn id="7" fill="hold">
+                      <p:stCondLst>
+                        <p:cond delay="indefinite"/>
+                      </p:stCondLst>
+                      <p:childTnLst>
+                        <p:par>
+                          <p:cTn id="8" fill="hold">
+                            <p:stCondLst>
+                              <p:cond delay="0"/>
+                            </p:stCondLst>
+                            <p:childTnLst>
+                              <p:par>
+                                <p:cTn id="9" presetID="1" presetClass="entr" presetSubtype="0" fill="hold" nodeType="clickEffect">
+                                  <p:stCondLst>
+                                    <p:cond delay="0"/>
+                                  </p:stCondLst>
+                                  <p:childTnLst>
+                                    <p:set>
+                                      <p:cBhvr>
+                                        <p:cTn id="10" dur="1" fill="hold">
+                                          <p:stCondLst>
+                                            <p:cond delay="0"/>
+                                          </p:stCondLst>
+                                        </p:cTn>
+                                        <p:tgtEl>
+                                          <p:spTgt spid="11"/>
+                                        </p:tgtEl>
+                                        <p:attrNameLst>
+                                          <p:attrName>style.visibility</p:attrName>
+                                        </p:attrNameLst>
+                                      </p:cBhvr>
+                                      <p:to>
+                                        <p:strVal val="visible"/>
+                                      </p:to>
+                                    </p:set>
+                                  </p:childTnLst>
+                                </p:cTn>
+                              </p:par>
+                              <p:par>
+                                <p:cTn id="11" presetID="1" presetClass="entr" presetSubtype="0" fill="hold" grpId="0" nodeType="withEffect">
+                                  <p:stCondLst>
+                                    <p:cond delay="0"/>
+                                  </p:stCondLst>
+                                  <p:childTnLst>
+                                    <p:set>
+                                      <p:cBhvr>
+                                        <p:cTn id="12" dur="1" fill="hold">
+                                          <p:stCondLst>
+                                            <p:cond delay="0"/>
+                                          </p:stCondLst>
+                                        </p:cTn>
+                                        <p:tgtEl>
+                                          <p:spTgt spid="15"/>
+                                        </p:tgtEl>
+                                        <p:attrNameLst>
+                                          <p:attrName>style.visibility</p:attrName>
+                                        </p:attrNameLst>
+                                      </p:cBhvr>
+                                      <p:to>
+                                        <p:strVal val="visible"/>
+                                      </p:to>
+                                    </p:set>
+                                  </p:childTnLst>
+                                </p:cTn>
+                              </p:par>
+                              <p:par>
+                                <p:cTn id="13" presetID="1" presetClass="entr" presetSubtype="0" fill="hold" grpId="0" nodeType="withEffect">
+                                  <p:stCondLst>
+                                    <p:cond delay="0"/>
+                                  </p:stCondLst>
+                                  <p:childTnLst>
+                                    <p:set>
+                                      <p:cBhvr>
+                                        <p:cTn id="14" dur="1" fill="hold">
+                                          <p:stCondLst>
+                                            <p:cond delay="0"/>
+                                          </p:stCondLst>
+                                        </p:cTn>
+                                        <p:tgtEl>
+                                          <p:spTgt spid="13"/>
+                                        </p:tgtEl>
+                                        <p:attrNameLst>
+                                          <p:attrName>style.visibility</p:attrName>
+                                        </p:attrNameLst>
+                                      </p:cBhvr>
+                                      <p:to>
+                                        <p:strVal val="visible"/>
+                                      </p:to>
+                                    </p:set>
+                                  </p:childTnLst>
+                                </p:cTn>
+                              </p:par>
+                              <p:par>
+                                <p:cTn id="15" presetID="1" presetClass="entr" presetSubtype="0" fill="hold" grpId="0" nodeType="withEffect">
+                                  <p:stCondLst>
+                                    <p:cond delay="0"/>
+                                  </p:stCondLst>
+                                  <p:childTnLst>
+                                    <p:set>
+                                      <p:cBhvr>
+                                        <p:cTn id="16" dur="1" fill="hold">
+                                          <p:stCondLst>
+                                            <p:cond delay="0"/>
+                                          </p:stCondLst>
+                                        </p:cTn>
+                                        <p:tgtEl>
+                                          <p:spTgt spid="12"/>
+                                        </p:tgtEl>
+                                        <p:attrNameLst>
+                                          <p:attrName>style.visibility</p:attrName>
+                                        </p:attrNameLst>
+                                      </p:cBhvr>
+                                      <p:to>
+                                        <p:strVal val="visible"/>
+                                      </p:to>
+                                    </p:set>
+                                  </p:childTnLst>
+                                </p:cTn>
+                              </p:par>
+                              <p:par>
+                                <p:cTn id="17" presetID="1" presetClass="entr" presetSubtype="0" fill="hold" nodeType="withEffect">
+                                  <p:stCondLst>
+                                    <p:cond delay="0"/>
+                                  </p:stCondLst>
+                                  <p:childTnLst>
+                                    <p:set>
+                                      <p:cBhvr>
+                                        <p:cTn id="18" dur="1" fill="hold">
+                                          <p:stCondLst>
+                                            <p:cond delay="0"/>
+                                          </p:stCondLst>
+                                        </p:cTn>
+                                        <p:tgtEl>
+                                          <p:spTgt spid="5"/>
+                                        </p:tgtEl>
+                                        <p:attrNameLst>
+                                          <p:attrName>style.visibility</p:attrName>
+                                        </p:attrNameLst>
+                                      </p:cBhvr>
+                                      <p:to>
+                                        <p:strVal val="visible"/>
+                                      </p:to>
+                                    </p:set>
+                                  </p:childTnLst>
+                                </p:cTn>
+                              </p:par>
+                            </p:childTnLst>
+                          </p:cTn>
+                        </p:par>
+                      </p:childTnLst>
+                    </p:cTn>
+                  </p:par>
+                </p:childTnLst>
+              </p:cTn>
+              <p:prevCondLst>
+                <p:cond evt="onPrev" delay="0">
+                  <p:tgtEl>
+                    <p:sldTgt/>
+                  </p:tgtEl>
+                </p:cond>
+              </p:prevCondLst>
+              <p:nextCondLst>
+                <p:cond evt="onNext" delay="0">
+                  <p:tgtEl>
+                    <p:sldTgt/>
+                  </p:tgtEl>
+                </p:cond>
+              </p:nextCondLst>
+            </p:seq>
+          </p:childTnLst>
+        </p:cTn>
+      </p:par>
+    </p:tnLst>
+    <p:bldLst>
+      <p:bldP spid="12" grpId="0" animBg="1"/>
+      <p:bldP spid="13" grpId="0" animBg="1"/>
+      <p:bldP spid="15" grpId="0"/>
+    </p:bldLst>
+  </p:timing>
 </p:sld>
 </file>
 
 <file path=ppt/slides/slide7.xml><?xml version="1.0" encoding="utf-8"?>
-<p:sld xmlns:a="http://schemas.openxmlformats.org/drawingml/2006/main" xmlns:r="http://schemas.openxmlformats.org/officeDocument/2006/relationships" xmlns:p="http://schemas.openxmlformats.org/presentationml/2006/main">
-  <p:cSld>
-    <p:spTree>
-      <p:nvGrpSpPr>
-        <p:cNvPr id="1" name=""/>
-        <p:cNvGrpSpPr/>
-        <p:nvPr/>
-      </p:nvGrpSpPr>
-      <p:grpSpPr>
-        <a:xfrm>
-          <a:off x="0" y="0"/>
-          <a:ext cx="0" cy="0"/>
-          <a:chOff x="0" y="0"/>
-          <a:chExt cx="0" cy="0"/>
-        </a:xfrm>
-      </p:grpSpPr>
-      <p:sp>
-        <p:nvSpPr>
-          <p:cNvPr id="3" name="Content Placeholder 2">
-            <a:extLst>
-              <a:ext uri="{FF2B5EF4-FFF2-40B4-BE49-F238E27FC236}">
-                <a16:creationId xmlns:a16="http://schemas.microsoft.com/office/drawing/2014/main" id="{FDBFE04C-A971-B084-7692-35E748BF4C81}"/>
-              </a:ext>
-            </a:extLst>
-          </p:cNvPr>
-          <p:cNvSpPr>
-            <a:spLocks noGrp="1"/>
-          </p:cNvSpPr>
-          <p:nvPr>
-            <p:ph idx="1"/>
-          </p:nvPr>
-        </p:nvSpPr>
-        <p:spPr>
-          <a:xfrm>
-            <a:off x="838199" y="755582"/>
-            <a:ext cx="10727987" cy="5752222"/>
-          </a:xfrm>
-        </p:spPr>
-        <p:txBody>
-          <a:bodyPr>
-            <a:normAutofit fontScale="77500" lnSpcReduction="20000"/>
-          </a:bodyPr>
-          <a:lstStyle/>
-          <a:p>
-            <a:r>
-              <a:rPr lang="en-US" dirty="0"/>
-              <a:t>11. </a:t>
-            </a:r>
-            <a:r>
-              <a:rPr lang="en-US" dirty="0" err="1"/>
-              <a:t>OnlineBackup</a:t>
-            </a:r>
-            <a:r>
-              <a:rPr lang="en-US" dirty="0"/>
-              <a:t> - Whether the customer has online backup or not (Yes, No, No internet service)</a:t>
-            </a:r>
-          </a:p>
-          <a:p>
-            <a:r>
-              <a:rPr lang="en-US" dirty="0"/>
-              <a:t>12. </a:t>
-            </a:r>
-            <a:r>
-              <a:rPr lang="en-US" dirty="0" err="1"/>
-              <a:t>DeviceProtection</a:t>
-            </a:r>
-            <a:r>
-              <a:rPr lang="en-US" dirty="0"/>
-              <a:t> - Whether the customer has device protection or not (Yes, No, No internet service)</a:t>
-            </a:r>
-          </a:p>
-          <a:p>
-            <a:r>
-              <a:rPr lang="en-US" dirty="0"/>
-              <a:t>13. </a:t>
-            </a:r>
-            <a:r>
-              <a:rPr lang="en-US" dirty="0" err="1"/>
-              <a:t>TechSupport</a:t>
-            </a:r>
-            <a:r>
-              <a:rPr lang="en-US" dirty="0"/>
-              <a:t> - Whether the customer has tech support or not (Yes, No, No internet service)</a:t>
-            </a:r>
-          </a:p>
-          <a:p>
-            <a:r>
-              <a:rPr lang="en-US" dirty="0"/>
-              <a:t>14. </a:t>
-            </a:r>
-            <a:r>
-              <a:rPr lang="en-US" dirty="0" err="1"/>
-              <a:t>StreamingTV</a:t>
-            </a:r>
-            <a:r>
-              <a:rPr lang="en-US" dirty="0"/>
-              <a:t> - Whether the customer has streaming TV or not (Yes, No, No internet service)</a:t>
-            </a:r>
-          </a:p>
-          <a:p>
-            <a:r>
-              <a:rPr lang="en-US" dirty="0"/>
-              <a:t>15. </a:t>
-            </a:r>
-            <a:r>
-              <a:rPr lang="en-US" dirty="0" err="1"/>
-              <a:t>StreamingMovies</a:t>
-            </a:r>
-            <a:r>
-              <a:rPr lang="en-US" dirty="0"/>
-              <a:t> - Whether the customer has streaming movies or not (Yes, No, No internet service)</a:t>
-            </a:r>
-          </a:p>
-          <a:p>
-            <a:r>
-              <a:rPr lang="en-US" dirty="0"/>
-              <a:t>16. Contract - The contract term of the customer (Month-to-month, One year, Two year)</a:t>
-            </a:r>
-          </a:p>
-          <a:p>
-            <a:r>
-              <a:rPr lang="en-US" dirty="0"/>
-              <a:t>17. </a:t>
-            </a:r>
-            <a:r>
-              <a:rPr lang="en-US" dirty="0" err="1"/>
-              <a:t>PaperlessBilling</a:t>
-            </a:r>
-            <a:r>
-              <a:rPr lang="en-US" dirty="0"/>
-              <a:t> - Whether the customer has paperless billing or not (Yes, No)</a:t>
-            </a:r>
-          </a:p>
-          <a:p>
-            <a:r>
-              <a:rPr lang="en-US" dirty="0"/>
-              <a:t>18. </a:t>
-            </a:r>
-            <a:r>
-              <a:rPr lang="en-US" dirty="0" err="1"/>
-              <a:t>PaymentMethod</a:t>
-            </a:r>
-            <a:r>
-              <a:rPr lang="en-US" dirty="0"/>
-              <a:t> - The customer’s payment method (Electronic check, Mailed check, Bank transfer (automatic), Credit card (automatic)</a:t>
-            </a:r>
-          </a:p>
-          <a:p>
-            <a:r>
-              <a:rPr lang="en-US" dirty="0"/>
-              <a:t>19. </a:t>
-            </a:r>
-            <a:r>
-              <a:rPr lang="en-US" dirty="0" err="1"/>
-              <a:t>MonthlyCharges</a:t>
-            </a:r>
-            <a:r>
-              <a:rPr lang="en-US" dirty="0"/>
-              <a:t> - The amount charged to the customer monthly</a:t>
-            </a:r>
-          </a:p>
-          <a:p>
-            <a:r>
-              <a:rPr lang="en-US" dirty="0"/>
-              <a:t>20. </a:t>
-            </a:r>
-            <a:r>
-              <a:rPr lang="en-US" dirty="0" err="1"/>
-              <a:t>TotalCharges</a:t>
-            </a:r>
-            <a:r>
-              <a:rPr lang="en-US" dirty="0"/>
-              <a:t> - The total amount charged to the customer</a:t>
-            </a:r>
-          </a:p>
-          <a:p>
-            <a:r>
-              <a:rPr lang="en-US" dirty="0"/>
-              <a:t>21</a:t>
-            </a:r>
-            <a:r>
-              <a:rPr lang="en-US" dirty="0">
-                <a:highlight>
-                  <a:srgbClr val="00FFFF"/>
-                </a:highlight>
-              </a:rPr>
-              <a:t>. Churn - Whether the customer churned or not (Yes or No)</a:t>
-            </a:r>
-            <a:endParaRPr lang="en-IN" dirty="0">
-              <a:highlight>
-                <a:srgbClr val="00FFFF"/>
-              </a:highlight>
-            </a:endParaRPr>
-          </a:p>
-        </p:txBody>
-      </p:sp>
-    </p:spTree>
-    <p:extLst>
-      <p:ext uri="{BB962C8B-B14F-4D97-AF65-F5344CB8AC3E}">
-        <p14:creationId xmlns:p14="http://schemas.microsoft.com/office/powerpoint/2010/main" val="148496240"/>
-      </p:ext>
-    </p:extLst>
-  </p:cSld>
-  <p:clrMapOvr>
-    <a:masterClrMapping/>
-  </p:clrMapOvr>
-</p:sld>
-</file>
-
-<file path=ppt/slides/slide8.xml><?xml version="1.0" encoding="utf-8"?>
 <p:sld xmlns:a="http://schemas.openxmlformats.org/drawingml/2006/main" xmlns:r="http://schemas.openxmlformats.org/officeDocument/2006/relationships" xmlns:p="http://schemas.openxmlformats.org/presentationml/2006/main">
   <p:cSld>
     <p:spTree>
@@ -8683,11 +9779,30 @@
           <a:bodyPr/>
           <a:lstStyle/>
           <a:p>
+            <a:pPr algn="just"/>
             <a:r>
               <a:rPr lang="en-US" dirty="0"/>
-              <a:t>			GANTT CHART</a:t>
+              <a:t>			</a:t>
             </a:r>
-            <a:endParaRPr lang="en-IN" dirty="0"/>
+            <a:r>
+              <a:rPr lang="en-US" u="sng" spc="600" dirty="0">
+                <a:solidFill>
+                  <a:schemeClr val="accent5">
+                    <a:lumMod val="50000"/>
+                  </a:schemeClr>
+                </a:solidFill>
+                <a:latin typeface="Bookman Old Style" panose="02050604050505020204" pitchFamily="18" charset="0"/>
+              </a:rPr>
+              <a:t>GANTT CHART</a:t>
+            </a:r>
+            <a:endParaRPr lang="en-IN" u="sng" spc="600" dirty="0">
+              <a:solidFill>
+                <a:schemeClr val="accent5">
+                  <a:lumMod val="50000"/>
+                </a:schemeClr>
+              </a:solidFill>
+              <a:latin typeface="Bookman Old Style" panose="02050604050505020204" pitchFamily="18" charset="0"/>
+            </a:endParaRPr>
           </a:p>
         </p:txBody>
       </p:sp>
@@ -8721,7 +9836,7 @@
         </p:blipFill>
         <p:spPr>
           <a:xfrm>
-            <a:off x="1605065" y="1365224"/>
+            <a:off x="2052097" y="1365224"/>
             <a:ext cx="8087806" cy="4918743"/>
           </a:xfrm>
         </p:spPr>
@@ -8736,10 +9851,85 @@
   <p:clrMapOvr>
     <a:masterClrMapping/>
   </p:clrMapOvr>
+  <p:timing>
+    <p:tnLst>
+      <p:par>
+        <p:cTn id="1" dur="indefinite" restart="never" nodeType="tmRoot">
+          <p:childTnLst>
+            <p:seq concurrent="1" nextAc="seek">
+              <p:cTn id="2" dur="indefinite" nodeType="mainSeq">
+                <p:childTnLst>
+                  <p:par>
+                    <p:cTn id="3" fill="hold">
+                      <p:stCondLst>
+                        <p:cond delay="indefinite"/>
+                      </p:stCondLst>
+                      <p:childTnLst>
+                        <p:par>
+                          <p:cTn id="4" fill="hold">
+                            <p:stCondLst>
+                              <p:cond delay="0"/>
+                            </p:stCondLst>
+                            <p:childTnLst>
+                              <p:par>
+                                <p:cTn id="5" presetID="1" presetClass="entr" presetSubtype="0" fill="hold" nodeType="clickEffect">
+                                  <p:stCondLst>
+                                    <p:cond delay="0"/>
+                                  </p:stCondLst>
+                                  <p:childTnLst>
+                                    <p:set>
+                                      <p:cBhvr>
+                                        <p:cTn id="6" dur="1" fill="hold">
+                                          <p:stCondLst>
+                                            <p:cond delay="0"/>
+                                          </p:stCondLst>
+                                        </p:cTn>
+                                        <p:tgtEl>
+                                          <p:spTgt spid="5"/>
+                                        </p:tgtEl>
+                                        <p:attrNameLst>
+                                          <p:attrName>style.visibility</p:attrName>
+                                        </p:attrNameLst>
+                                      </p:cBhvr>
+                                      <p:to>
+                                        <p:strVal val="visible"/>
+                                      </p:to>
+                                    </p:set>
+                                  </p:childTnLst>
+                                </p:cTn>
+                              </p:par>
+                            </p:childTnLst>
+                          </p:cTn>
+                        </p:par>
+                      </p:childTnLst>
+                    </p:cTn>
+                  </p:par>
+                </p:childTnLst>
+              </p:cTn>
+              <p:prevCondLst>
+                <p:cond evt="onPrev" delay="0">
+                  <p:tgtEl>
+                    <p:sldTgt/>
+                  </p:tgtEl>
+                </p:cond>
+              </p:prevCondLst>
+              <p:nextCondLst>
+                <p:cond evt="onNext" delay="0">
+                  <p:tgtEl>
+                    <p:sldTgt/>
+                  </p:tgtEl>
+                </p:cond>
+              </p:nextCondLst>
+            </p:seq>
+          </p:childTnLst>
+        </p:cTn>
+      </p:par>
+    </p:tnLst>
+  </p:timing>
 </p:sld>
 </file>
 
-<file path=ppt/slides/slide9.xml><?xml version="1.0" encoding="utf-8"?>
+<file path=ppt/slides/slide8.xml><?xml version="1.0" encoding="utf-8"?>
 <p:sld xmlns:a="http://schemas.openxmlformats.org/drawingml/2006/main" xmlns:r="http://schemas.openxmlformats.org/officeDocument/2006/relationships" xmlns:p="http://schemas.openxmlformats.org/presentationml/2006/main">
   <p:cSld>
     <p:spTree>
@@ -8758,31 +9948,6 @@
       </p:grpSpPr>
       <p:sp>
         <p:nvSpPr>
-          <p:cNvPr id="2" name="Title 1">
-            <a:extLst>
-              <a:ext uri="{FF2B5EF4-FFF2-40B4-BE49-F238E27FC236}">
-                <a16:creationId xmlns:a16="http://schemas.microsoft.com/office/drawing/2014/main" id="{7D300F51-0FA8-B8F4-F0A0-E82B2CA05C9A}"/>
-              </a:ext>
-            </a:extLst>
-          </p:cNvPr>
-          <p:cNvSpPr>
-            <a:spLocks noGrp="1"/>
-          </p:cNvSpPr>
-          <p:nvPr>
-            <p:ph type="title"/>
-          </p:nvPr>
-        </p:nvSpPr>
-        <p:spPr/>
-        <p:txBody>
-          <a:bodyPr/>
-          <a:lstStyle/>
-          <a:p>
-            <a:endParaRPr lang="en-IN"/>
-          </a:p>
-        </p:txBody>
-      </p:sp>
-      <p:sp>
-        <p:nvSpPr>
           <p:cNvPr id="3" name="Content Placeholder 2">
             <a:extLst>
               <a:ext uri="{FF2B5EF4-FFF2-40B4-BE49-F238E27FC236}">
@@ -8797,21 +9962,56 @@
             <p:ph idx="1"/>
           </p:nvPr>
         </p:nvSpPr>
-        <p:spPr/>
+        <p:spPr>
+          <a:xfrm>
+            <a:off x="1529080" y="850265"/>
+            <a:ext cx="10515600" cy="4351338"/>
+          </a:xfrm>
+        </p:spPr>
         <p:txBody>
-          <a:bodyPr/>
+          <a:bodyPr>
+            <a:normAutofit/>
+          </a:bodyPr>
           <a:lstStyle/>
-          <a:p>
-            <a:r>
-              <a:rPr lang="en-US" dirty="0"/>
-              <a:t>ANY QUESTIONS?</a:t>
-            </a:r>
-          </a:p>
           <a:p>
             <a:pPr marL="0" indent="0">
               <a:buNone/>
             </a:pPr>
-            <a:endParaRPr lang="en-IN" dirty="0"/>
+            <a:r>
+              <a:rPr lang="en-US" sz="9600" dirty="0">
+                <a:solidFill>
+                  <a:schemeClr val="accent2">
+                    <a:lumMod val="50000"/>
+                  </a:schemeClr>
+                </a:solidFill>
+                <a:latin typeface="Century Schoolbook" panose="02040604050505020304" pitchFamily="18" charset="0"/>
+              </a:rPr>
+              <a:t>THANK YOU</a:t>
+            </a:r>
+          </a:p>
+          <a:p>
+            <a:pPr marL="0" indent="0">
+              <a:buNone/>
+            </a:pPr>
+            <a:r>
+              <a:rPr lang="en-US" sz="9600" dirty="0">
+                <a:solidFill>
+                  <a:schemeClr val="accent2">
+                    <a:lumMod val="50000"/>
+                  </a:schemeClr>
+                </a:solidFill>
+                <a:latin typeface="Century Schoolbook" panose="02040604050505020304" pitchFamily="18" charset="0"/>
+              </a:rPr>
+              <a:t>ANY QUESTIONS?</a:t>
+            </a:r>
+            <a:endParaRPr lang="en-IN" sz="9600" dirty="0">
+              <a:solidFill>
+                <a:schemeClr val="accent2">
+                  <a:lumMod val="50000"/>
+                </a:schemeClr>
+              </a:solidFill>
+              <a:latin typeface="Century Schoolbook" panose="02040604050505020304" pitchFamily="18" charset="0"/>
+            </a:endParaRPr>
           </a:p>
         </p:txBody>
       </p:sp>
@@ -8825,6 +10025,158 @@
   <p:clrMapOvr>
     <a:masterClrMapping/>
   </p:clrMapOvr>
+  <p:timing>
+    <p:tnLst>
+      <p:par>
+        <p:cTn id="1" dur="indefinite" restart="never" nodeType="tmRoot">
+          <p:childTnLst>
+            <p:seq concurrent="1" nextAc="seek">
+              <p:cTn id="2" dur="indefinite" nodeType="mainSeq">
+                <p:childTnLst>
+                  <p:par>
+                    <p:cTn id="3" fill="hold">
+                      <p:stCondLst>
+                        <p:cond delay="indefinite"/>
+                      </p:stCondLst>
+                      <p:childTnLst>
+                        <p:par>
+                          <p:cTn id="4" fill="hold">
+                            <p:stCondLst>
+                              <p:cond delay="0"/>
+                            </p:stCondLst>
+                            <p:childTnLst>
+                              <p:par>
+                                <p:cTn id="5" presetID="10" presetClass="exit" presetSubtype="0" fill="hold" nodeType="clickEffect">
+                                  <p:stCondLst>
+                                    <p:cond delay="0"/>
+                                  </p:stCondLst>
+                                  <p:childTnLst>
+                                    <p:animEffect transition="out" filter="fade">
+                                      <p:cBhvr>
+                                        <p:cTn id="6" dur="500"/>
+                                        <p:tgtEl>
+                                          <p:spTgt spid="3">
+                                            <p:txEl>
+                                              <p:pRg st="0" end="0"/>
+                                            </p:txEl>
+                                          </p:spTgt>
+                                        </p:tgtEl>
+                                      </p:cBhvr>
+                                    </p:animEffect>
+                                    <p:set>
+                                      <p:cBhvr>
+                                        <p:cTn id="7" dur="1" fill="hold">
+                                          <p:stCondLst>
+                                            <p:cond delay="499"/>
+                                          </p:stCondLst>
+                                        </p:cTn>
+                                        <p:tgtEl>
+                                          <p:spTgt spid="3">
+                                            <p:txEl>
+                                              <p:pRg st="0" end="0"/>
+                                            </p:txEl>
+                                          </p:spTgt>
+                                        </p:tgtEl>
+                                        <p:attrNameLst>
+                                          <p:attrName>style.visibility</p:attrName>
+                                        </p:attrNameLst>
+                                      </p:cBhvr>
+                                      <p:to>
+                                        <p:strVal val="hidden"/>
+                                      </p:to>
+                                    </p:set>
+                                  </p:childTnLst>
+                                </p:cTn>
+                              </p:par>
+                            </p:childTnLst>
+                          </p:cTn>
+                        </p:par>
+                      </p:childTnLst>
+                    </p:cTn>
+                  </p:par>
+                  <p:par>
+                    <p:cTn id="8" fill="hold">
+                      <p:stCondLst>
+                        <p:cond delay="indefinite"/>
+                      </p:stCondLst>
+                      <p:childTnLst>
+                        <p:par>
+                          <p:cTn id="9" fill="hold">
+                            <p:stCondLst>
+                              <p:cond delay="0"/>
+                            </p:stCondLst>
+                            <p:childTnLst>
+                              <p:par>
+                                <p:cTn id="10" presetID="10" presetClass="entr" presetSubtype="0" fill="hold" nodeType="clickEffect">
+                                  <p:stCondLst>
+                                    <p:cond delay="0"/>
+                                  </p:stCondLst>
+                                  <p:childTnLst>
+                                    <p:set>
+                                      <p:cBhvr>
+                                        <p:cTn id="11" dur="1" fill="hold">
+                                          <p:stCondLst>
+                                            <p:cond delay="0"/>
+                                          </p:stCondLst>
+                                        </p:cTn>
+                                        <p:tgtEl>
+                                          <p:spTgt spid="3">
+                                            <p:txEl>
+                                              <p:pRg st="1" end="1"/>
+                                            </p:txEl>
+                                          </p:spTgt>
+                                        </p:tgtEl>
+                                        <p:attrNameLst>
+                                          <p:attrName>style.visibility</p:attrName>
+                                        </p:attrNameLst>
+                                      </p:cBhvr>
+                                      <p:to>
+                                        <p:strVal val="visible"/>
+                                      </p:to>
+                                    </p:set>
+                                    <p:animEffect transition="in" filter="fade">
+                                      <p:cBhvr>
+                                        <p:cTn id="12" dur="500"/>
+                                        <p:tgtEl>
+                                          <p:spTgt spid="3">
+                                            <p:txEl>
+                                              <p:pRg st="1" end="1"/>
+                                            </p:txEl>
+                                          </p:spTgt>
+                                        </p:tgtEl>
+                                      </p:cBhvr>
+                                    </p:animEffect>
+                                  </p:childTnLst>
+                                </p:cTn>
+                              </p:par>
+                            </p:childTnLst>
+                          </p:cTn>
+                        </p:par>
+                      </p:childTnLst>
+                    </p:cTn>
+                  </p:par>
+                </p:childTnLst>
+              </p:cTn>
+              <p:prevCondLst>
+                <p:cond evt="onPrev" delay="0">
+                  <p:tgtEl>
+                    <p:sldTgt/>
+                  </p:tgtEl>
+                </p:cond>
+              </p:prevCondLst>
+              <p:nextCondLst>
+                <p:cond evt="onNext" delay="0">
+                  <p:tgtEl>
+                    <p:sldTgt/>
+                  </p:tgtEl>
+                </p:cond>
+              </p:nextCondLst>
+            </p:seq>
+          </p:childTnLst>
+        </p:cTn>
+      </p:par>
+    </p:tnLst>
+  </p:timing>
 </p:sld>
 </file>
 
